--- a/Project0/Reports/Proj0Slides.pptx
+++ b/Project0/Reports/Proj0Slides.pptx
@@ -4,6 +4,9 @@
   <p:sldMasterIdLst>
     <p:sldMasterId id="2147483648" r:id="rId1"/>
   </p:sldMasterIdLst>
+  <p:notesMasterIdLst>
+    <p:notesMasterId r:id="rId8"/>
+  </p:notesMasterIdLst>
   <p:sldIdLst>
     <p:sldId id="256" r:id="rId2"/>
     <p:sldId id="257" r:id="rId3"/>
@@ -112,6 +115,440 @@
 </p:presentation>
 </file>
 
+<file path=ppt/notesMasters/notesMaster1.xml><?xml version="1.0" encoding="utf-8"?>
+<p:notesMaster xmlns:a="http://schemas.openxmlformats.org/drawingml/2006/main" xmlns:r="http://schemas.openxmlformats.org/officeDocument/2006/relationships" xmlns:p="http://schemas.openxmlformats.org/presentationml/2006/main">
+  <p:cSld>
+    <p:bg>
+      <p:bgRef idx="1001">
+        <a:schemeClr val="bg1"/>
+      </p:bgRef>
+    </p:bg>
+    <p:spTree>
+      <p:nvGrpSpPr>
+        <p:cNvPr id="1" name=""/>
+        <p:cNvGrpSpPr/>
+        <p:nvPr/>
+      </p:nvGrpSpPr>
+      <p:grpSpPr>
+        <a:xfrm>
+          <a:off x="0" y="0"/>
+          <a:ext cx="0" cy="0"/>
+          <a:chOff x="0" y="0"/>
+          <a:chExt cx="0" cy="0"/>
+        </a:xfrm>
+      </p:grpSpPr>
+      <p:sp>
+        <p:nvSpPr>
+          <p:cNvPr id="2" name="Header Placeholder 1"/>
+          <p:cNvSpPr>
+            <a:spLocks noGrp="1"/>
+          </p:cNvSpPr>
+          <p:nvPr>
+            <p:ph type="hdr" sz="quarter"/>
+          </p:nvPr>
+        </p:nvSpPr>
+        <p:spPr>
+          <a:xfrm>
+            <a:off x="0" y="0"/>
+            <a:ext cx="2971800" cy="457200"/>
+          </a:xfrm>
+          <a:prstGeom prst="rect">
+            <a:avLst/>
+          </a:prstGeom>
+        </p:spPr>
+        <p:txBody>
+          <a:bodyPr vert="horz" lIns="91440" tIns="45720" rIns="91440" bIns="45720" rtlCol="0"/>
+          <a:lstStyle>
+            <a:lvl1pPr algn="l">
+              <a:defRPr sz="1200"/>
+            </a:lvl1pPr>
+          </a:lstStyle>
+          <a:p>
+            <a:endParaRPr lang="en-US"/>
+          </a:p>
+        </p:txBody>
+      </p:sp>
+      <p:sp>
+        <p:nvSpPr>
+          <p:cNvPr id="3" name="Date Placeholder 2"/>
+          <p:cNvSpPr>
+            <a:spLocks noGrp="1"/>
+          </p:cNvSpPr>
+          <p:nvPr>
+            <p:ph type="dt" idx="1"/>
+          </p:nvPr>
+        </p:nvSpPr>
+        <p:spPr>
+          <a:xfrm>
+            <a:off x="3884613" y="0"/>
+            <a:ext cx="2971800" cy="457200"/>
+          </a:xfrm>
+          <a:prstGeom prst="rect">
+            <a:avLst/>
+          </a:prstGeom>
+        </p:spPr>
+        <p:txBody>
+          <a:bodyPr vert="horz" lIns="91440" tIns="45720" rIns="91440" bIns="45720" rtlCol="0"/>
+          <a:lstStyle>
+            <a:lvl1pPr algn="r">
+              <a:defRPr sz="1200"/>
+            </a:lvl1pPr>
+          </a:lstStyle>
+          <a:p>
+            <a:fld id="{D4D801FC-25A8-7D4F-8B5F-EA51F599C2D5}" type="datetimeFigureOut">
+              <a:rPr lang="en-US" smtClean="0"/>
+              <a:t>9/13/17</a:t>
+            </a:fld>
+            <a:endParaRPr lang="en-US"/>
+          </a:p>
+        </p:txBody>
+      </p:sp>
+      <p:sp>
+        <p:nvSpPr>
+          <p:cNvPr id="4" name="Slide Image Placeholder 3"/>
+          <p:cNvSpPr>
+            <a:spLocks noGrp="1" noRot="1" noChangeAspect="1"/>
+          </p:cNvSpPr>
+          <p:nvPr>
+            <p:ph type="sldImg" idx="2"/>
+          </p:nvPr>
+        </p:nvSpPr>
+        <p:spPr>
+          <a:xfrm>
+            <a:off x="1143000" y="685800"/>
+            <a:ext cx="4572000" cy="3429000"/>
+          </a:xfrm>
+          <a:prstGeom prst="rect">
+            <a:avLst/>
+          </a:prstGeom>
+          <a:noFill/>
+          <a:ln w="12700">
+            <a:solidFill>
+              <a:prstClr val="black"/>
+            </a:solidFill>
+          </a:ln>
+        </p:spPr>
+        <p:txBody>
+          <a:bodyPr vert="horz" lIns="91440" tIns="45720" rIns="91440" bIns="45720" rtlCol="0" anchor="ctr"/>
+          <a:lstStyle/>
+          <a:p>
+            <a:endParaRPr lang="en-US"/>
+          </a:p>
+        </p:txBody>
+      </p:sp>
+      <p:sp>
+        <p:nvSpPr>
+          <p:cNvPr id="5" name="Notes Placeholder 4"/>
+          <p:cNvSpPr>
+            <a:spLocks noGrp="1"/>
+          </p:cNvSpPr>
+          <p:nvPr>
+            <p:ph type="body" sz="quarter" idx="3"/>
+          </p:nvPr>
+        </p:nvSpPr>
+        <p:spPr>
+          <a:xfrm>
+            <a:off x="685800" y="4343400"/>
+            <a:ext cx="5486400" cy="4114800"/>
+          </a:xfrm>
+          <a:prstGeom prst="rect">
+            <a:avLst/>
+          </a:prstGeom>
+        </p:spPr>
+        <p:txBody>
+          <a:bodyPr vert="horz" lIns="91440" tIns="45720" rIns="91440" bIns="45720" rtlCol="0"/>
+          <a:lstStyle/>
+          <a:p>
+            <a:pPr lvl="0"/>
+            <a:r>
+              <a:rPr lang="en-US" smtClean="0"/>
+              <a:t>Click to edit Master text styles</a:t>
+            </a:r>
+          </a:p>
+          <a:p>
+            <a:pPr lvl="1"/>
+            <a:r>
+              <a:rPr lang="en-US" smtClean="0"/>
+              <a:t>Second level</a:t>
+            </a:r>
+          </a:p>
+          <a:p>
+            <a:pPr lvl="2"/>
+            <a:r>
+              <a:rPr lang="en-US" smtClean="0"/>
+              <a:t>Third level</a:t>
+            </a:r>
+          </a:p>
+          <a:p>
+            <a:pPr lvl="3"/>
+            <a:r>
+              <a:rPr lang="en-US" smtClean="0"/>
+              <a:t>Fourth level</a:t>
+            </a:r>
+          </a:p>
+          <a:p>
+            <a:pPr lvl="4"/>
+            <a:r>
+              <a:rPr lang="en-US" smtClean="0"/>
+              <a:t>Fifth level</a:t>
+            </a:r>
+            <a:endParaRPr lang="en-US"/>
+          </a:p>
+        </p:txBody>
+      </p:sp>
+      <p:sp>
+        <p:nvSpPr>
+          <p:cNvPr id="6" name="Footer Placeholder 5"/>
+          <p:cNvSpPr>
+            <a:spLocks noGrp="1"/>
+          </p:cNvSpPr>
+          <p:nvPr>
+            <p:ph type="ftr" sz="quarter" idx="4"/>
+          </p:nvPr>
+        </p:nvSpPr>
+        <p:spPr>
+          <a:xfrm>
+            <a:off x="0" y="8685213"/>
+            <a:ext cx="2971800" cy="457200"/>
+          </a:xfrm>
+          <a:prstGeom prst="rect">
+            <a:avLst/>
+          </a:prstGeom>
+        </p:spPr>
+        <p:txBody>
+          <a:bodyPr vert="horz" lIns="91440" tIns="45720" rIns="91440" bIns="45720" rtlCol="0" anchor="b"/>
+          <a:lstStyle>
+            <a:lvl1pPr algn="l">
+              <a:defRPr sz="1200"/>
+            </a:lvl1pPr>
+          </a:lstStyle>
+          <a:p>
+            <a:endParaRPr lang="en-US"/>
+          </a:p>
+        </p:txBody>
+      </p:sp>
+      <p:sp>
+        <p:nvSpPr>
+          <p:cNvPr id="7" name="Slide Number Placeholder 6"/>
+          <p:cNvSpPr>
+            <a:spLocks noGrp="1"/>
+          </p:cNvSpPr>
+          <p:nvPr>
+            <p:ph type="sldNum" sz="quarter" idx="5"/>
+          </p:nvPr>
+        </p:nvSpPr>
+        <p:spPr>
+          <a:xfrm>
+            <a:off x="3884613" y="8685213"/>
+            <a:ext cx="2971800" cy="457200"/>
+          </a:xfrm>
+          <a:prstGeom prst="rect">
+            <a:avLst/>
+          </a:prstGeom>
+        </p:spPr>
+        <p:txBody>
+          <a:bodyPr vert="horz" lIns="91440" tIns="45720" rIns="91440" bIns="45720" rtlCol="0" anchor="b"/>
+          <a:lstStyle>
+            <a:lvl1pPr algn="r">
+              <a:defRPr sz="1200"/>
+            </a:lvl1pPr>
+          </a:lstStyle>
+          <a:p>
+            <a:fld id="{617CCD7C-BFE7-624D-85B6-F1E600E23EFB}" type="slidenum">
+              <a:rPr lang="en-US" smtClean="0"/>
+              <a:t>‹#›</a:t>
+            </a:fld>
+            <a:endParaRPr lang="en-US"/>
+          </a:p>
+        </p:txBody>
+      </p:sp>
+    </p:spTree>
+    <p:extLst>
+      <p:ext uri="{BB962C8B-B14F-4D97-AF65-F5344CB8AC3E}">
+        <p14:creationId xmlns:p14="http://schemas.microsoft.com/office/powerpoint/2010/main" val="1601348593"/>
+      </p:ext>
+    </p:extLst>
+  </p:cSld>
+  <p:clrMap bg1="lt1" tx1="dk1" bg2="lt2" tx2="dk2" accent1="accent1" accent2="accent2" accent3="accent3" accent4="accent4" accent5="accent5" accent6="accent6" hlink="hlink" folHlink="folHlink"/>
+  <p:notesStyle>
+    <a:lvl1pPr marL="0" algn="l" defTabSz="457200" rtl="0" eaLnBrk="1" latinLnBrk="0" hangingPunct="1">
+      <a:defRPr sz="1200" kern="1200">
+        <a:solidFill>
+          <a:schemeClr val="tx1"/>
+        </a:solidFill>
+        <a:latin typeface="+mn-lt"/>
+        <a:ea typeface="+mn-ea"/>
+        <a:cs typeface="+mn-cs"/>
+      </a:defRPr>
+    </a:lvl1pPr>
+    <a:lvl2pPr marL="457200" algn="l" defTabSz="457200" rtl="0" eaLnBrk="1" latinLnBrk="0" hangingPunct="1">
+      <a:defRPr sz="1200" kern="1200">
+        <a:solidFill>
+          <a:schemeClr val="tx1"/>
+        </a:solidFill>
+        <a:latin typeface="+mn-lt"/>
+        <a:ea typeface="+mn-ea"/>
+        <a:cs typeface="+mn-cs"/>
+      </a:defRPr>
+    </a:lvl2pPr>
+    <a:lvl3pPr marL="914400" algn="l" defTabSz="457200" rtl="0" eaLnBrk="1" latinLnBrk="0" hangingPunct="1">
+      <a:defRPr sz="1200" kern="1200">
+        <a:solidFill>
+          <a:schemeClr val="tx1"/>
+        </a:solidFill>
+        <a:latin typeface="+mn-lt"/>
+        <a:ea typeface="+mn-ea"/>
+        <a:cs typeface="+mn-cs"/>
+      </a:defRPr>
+    </a:lvl3pPr>
+    <a:lvl4pPr marL="1371600" algn="l" defTabSz="457200" rtl="0" eaLnBrk="1" latinLnBrk="0" hangingPunct="1">
+      <a:defRPr sz="1200" kern="1200">
+        <a:solidFill>
+          <a:schemeClr val="tx1"/>
+        </a:solidFill>
+        <a:latin typeface="+mn-lt"/>
+        <a:ea typeface="+mn-ea"/>
+        <a:cs typeface="+mn-cs"/>
+      </a:defRPr>
+    </a:lvl4pPr>
+    <a:lvl5pPr marL="1828800" algn="l" defTabSz="457200" rtl="0" eaLnBrk="1" latinLnBrk="0" hangingPunct="1">
+      <a:defRPr sz="1200" kern="1200">
+        <a:solidFill>
+          <a:schemeClr val="tx1"/>
+        </a:solidFill>
+        <a:latin typeface="+mn-lt"/>
+        <a:ea typeface="+mn-ea"/>
+        <a:cs typeface="+mn-cs"/>
+      </a:defRPr>
+    </a:lvl5pPr>
+    <a:lvl6pPr marL="2286000" algn="l" defTabSz="457200" rtl="0" eaLnBrk="1" latinLnBrk="0" hangingPunct="1">
+      <a:defRPr sz="1200" kern="1200">
+        <a:solidFill>
+          <a:schemeClr val="tx1"/>
+        </a:solidFill>
+        <a:latin typeface="+mn-lt"/>
+        <a:ea typeface="+mn-ea"/>
+        <a:cs typeface="+mn-cs"/>
+      </a:defRPr>
+    </a:lvl6pPr>
+    <a:lvl7pPr marL="2743200" algn="l" defTabSz="457200" rtl="0" eaLnBrk="1" latinLnBrk="0" hangingPunct="1">
+      <a:defRPr sz="1200" kern="1200">
+        <a:solidFill>
+          <a:schemeClr val="tx1"/>
+        </a:solidFill>
+        <a:latin typeface="+mn-lt"/>
+        <a:ea typeface="+mn-ea"/>
+        <a:cs typeface="+mn-cs"/>
+      </a:defRPr>
+    </a:lvl7pPr>
+    <a:lvl8pPr marL="3200400" algn="l" defTabSz="457200" rtl="0" eaLnBrk="1" latinLnBrk="0" hangingPunct="1">
+      <a:defRPr sz="1200" kern="1200">
+        <a:solidFill>
+          <a:schemeClr val="tx1"/>
+        </a:solidFill>
+        <a:latin typeface="+mn-lt"/>
+        <a:ea typeface="+mn-ea"/>
+        <a:cs typeface="+mn-cs"/>
+      </a:defRPr>
+    </a:lvl8pPr>
+    <a:lvl9pPr marL="3657600" algn="l" defTabSz="457200" rtl="0" eaLnBrk="1" latinLnBrk="0" hangingPunct="1">
+      <a:defRPr sz="1200" kern="1200">
+        <a:solidFill>
+          <a:schemeClr val="tx1"/>
+        </a:solidFill>
+        <a:latin typeface="+mn-lt"/>
+        <a:ea typeface="+mn-ea"/>
+        <a:cs typeface="+mn-cs"/>
+      </a:defRPr>
+    </a:lvl9pPr>
+  </p:notesStyle>
+</p:notesMaster>
+</file>
+
+<file path=ppt/notesSlides/notesSlide1.xml><?xml version="1.0" encoding="utf-8"?>
+<p:notes xmlns:a="http://schemas.openxmlformats.org/drawingml/2006/main" xmlns:r="http://schemas.openxmlformats.org/officeDocument/2006/relationships" xmlns:p="http://schemas.openxmlformats.org/presentationml/2006/main">
+  <p:cSld>
+    <p:spTree>
+      <p:nvGrpSpPr>
+        <p:cNvPr id="1" name=""/>
+        <p:cNvGrpSpPr/>
+        <p:nvPr/>
+      </p:nvGrpSpPr>
+      <p:grpSpPr>
+        <a:xfrm>
+          <a:off x="0" y="0"/>
+          <a:ext cx="0" cy="0"/>
+          <a:chOff x="0" y="0"/>
+          <a:chExt cx="0" cy="0"/>
+        </a:xfrm>
+      </p:grpSpPr>
+      <p:sp>
+        <p:nvSpPr>
+          <p:cNvPr id="2" name="Slide Image Placeholder 1"/>
+          <p:cNvSpPr>
+            <a:spLocks noGrp="1" noRot="1" noChangeAspect="1"/>
+          </p:cNvSpPr>
+          <p:nvPr>
+            <p:ph type="sldImg"/>
+          </p:nvPr>
+        </p:nvSpPr>
+        <p:spPr/>
+      </p:sp>
+      <p:sp>
+        <p:nvSpPr>
+          <p:cNvPr id="3" name="Notes Placeholder 2"/>
+          <p:cNvSpPr>
+            <a:spLocks noGrp="1"/>
+          </p:cNvSpPr>
+          <p:nvPr>
+            <p:ph type="body" idx="1"/>
+          </p:nvPr>
+        </p:nvSpPr>
+        <p:spPr/>
+        <p:txBody>
+          <a:bodyPr/>
+          <a:lstStyle/>
+          <a:p>
+            <a:endParaRPr lang="en-US" dirty="0"/>
+          </a:p>
+        </p:txBody>
+      </p:sp>
+      <p:sp>
+        <p:nvSpPr>
+          <p:cNvPr id="4" name="Slide Number Placeholder 3"/>
+          <p:cNvSpPr>
+            <a:spLocks noGrp="1"/>
+          </p:cNvSpPr>
+          <p:nvPr>
+            <p:ph type="sldNum" sz="quarter" idx="10"/>
+          </p:nvPr>
+        </p:nvSpPr>
+        <p:spPr/>
+        <p:txBody>
+          <a:bodyPr/>
+          <a:lstStyle/>
+          <a:p>
+            <a:fld id="{617CCD7C-BFE7-624D-85B6-F1E600E23EFB}" type="slidenum">
+              <a:rPr lang="en-US" smtClean="0"/>
+              <a:t>3</a:t>
+            </a:fld>
+            <a:endParaRPr lang="en-US"/>
+          </a:p>
+        </p:txBody>
+      </p:sp>
+    </p:spTree>
+    <p:extLst>
+      <p:ext uri="{BB962C8B-B14F-4D97-AF65-F5344CB8AC3E}">
+        <p14:creationId xmlns:p14="http://schemas.microsoft.com/office/powerpoint/2010/main" val="131810067"/>
+      </p:ext>
+    </p:extLst>
+  </p:cSld>
+  <p:clrMapOvr>
+    <a:masterClrMapping/>
+  </p:clrMapOvr>
+</p:notes>
+</file>
+
 <file path=ppt/slideLayouts/slideLayout1.xml><?xml version="1.0" encoding="utf-8"?>
 <p:sldLayout xmlns:a="http://schemas.openxmlformats.org/drawingml/2006/main" xmlns:r="http://schemas.openxmlformats.org/officeDocument/2006/relationships" xmlns:p="http://schemas.openxmlformats.org/presentationml/2006/main" type="title" preserve="1">
   <p:cSld name="Title Slide">
@@ -304,7 +741,7 @@
           <a:p>
             <a:fld id="{216C5678-EE20-4FA5-88E2-6E0BD67A2E26}" type="datetime1">
               <a:rPr lang="en-US" smtClean="0"/>
-              <a:t>9/12/17</a:t>
+              <a:t>9/13/17</a:t>
             </a:fld>
             <a:endParaRPr lang="en-US" dirty="0"/>
           </a:p>
@@ -474,7 +911,7 @@
           <a:p>
             <a:fld id="{EA051B39-B140-43FE-96DB-472A2B59CE7C}" type="datetime1">
               <a:rPr lang="en-US" smtClean="0"/>
-              <a:t>9/12/17</a:t>
+              <a:t>9/13/17</a:t>
             </a:fld>
             <a:endParaRPr lang="en-US"/>
           </a:p>
@@ -654,7 +1091,7 @@
           <a:p>
             <a:fld id="{DA600BB2-27C5-458B-ABCE-839C88CF47CE}" type="datetime1">
               <a:rPr lang="en-US" smtClean="0"/>
-              <a:t>9/12/17</a:t>
+              <a:t>9/13/17</a:t>
             </a:fld>
             <a:endParaRPr lang="en-US"/>
           </a:p>
@@ -842,7 +1279,7 @@
           <a:p>
             <a:fld id="{B11D738E-8962-435F-8C43-147B8DD7E819}" type="datetime1">
               <a:rPr lang="en-US" smtClean="0"/>
-              <a:t>9/12/17</a:t>
+              <a:t>9/13/17</a:t>
             </a:fld>
             <a:endParaRPr lang="en-US"/>
           </a:p>
@@ -1109,7 +1546,7 @@
           <a:p>
             <a:fld id="{09CAEA93-55E7-4DA9-90C2-089A26EEFEC4}" type="datetime1">
               <a:rPr lang="en-US" smtClean="0"/>
-              <a:t>9/12/17</a:t>
+              <a:t>9/13/17</a:t>
             </a:fld>
             <a:endParaRPr lang="en-US"/>
           </a:p>
@@ -1462,7 +1899,7 @@
           <a:p>
             <a:fld id="{E34CF3C7-6809-4F39-BD67-A75817BDDE0A}" type="datetime1">
               <a:rPr lang="en-US" smtClean="0"/>
-              <a:t>9/12/17</a:t>
+              <a:t>9/13/17</a:t>
             </a:fld>
             <a:endParaRPr lang="en-US"/>
           </a:p>
@@ -1775,7 +2212,7 @@
           <a:p>
             <a:fld id="{F7EAEB24-CE78-465C-A726-91D0868FA48F}" type="datetime1">
               <a:rPr lang="en-US" smtClean="0"/>
-              <a:t>9/12/17</a:t>
+              <a:t>9/13/17</a:t>
             </a:fld>
             <a:endParaRPr lang="en-US"/>
           </a:p>
@@ -2007,7 +2444,7 @@
           <a:p>
             <a:fld id="{40BAADF0-1749-4E8B-9691-B44A5F8C0895}" type="datetime1">
               <a:rPr lang="en-US" smtClean="0"/>
-              <a:t>9/12/17</a:t>
+              <a:t>9/13/17</a:t>
             </a:fld>
             <a:endParaRPr lang="en-US"/>
           </a:p>
@@ -2102,7 +2539,7 @@
           <a:p>
             <a:fld id="{A8AF628A-A867-4937-BBE5-207DB6F9C51A}" type="datetime1">
               <a:rPr lang="en-US" smtClean="0"/>
-              <a:t>9/12/17</a:t>
+              <a:t>9/13/17</a:t>
             </a:fld>
             <a:endParaRPr lang="en-US"/>
           </a:p>
@@ -2395,7 +2832,7 @@
           <a:p>
             <a:fld id="{118BBB94-68E6-4675-A946-F1C5994EDBD7}" type="datetime1">
               <a:rPr lang="en-US" smtClean="0"/>
-              <a:t>9/12/17</a:t>
+              <a:t>9/13/17</a:t>
             </a:fld>
             <a:endParaRPr lang="en-US"/>
           </a:p>
@@ -2669,7 +3106,7 @@
           <a:p>
             <a:fld id="{DC3B8377-21E3-4835-B75D-4E2847E2750F}" type="datetime1">
               <a:rPr lang="en-US" smtClean="0"/>
-              <a:t>9/12/17</a:t>
+              <a:t>9/13/17</a:t>
             </a:fld>
             <a:endParaRPr lang="en-US"/>
           </a:p>
@@ -2884,7 +3321,7 @@
           <a:p>
             <a:fld id="{B0C4986D-6BE9-4264-908F-02DB36FD8D6C}" type="datetime1">
               <a:rPr lang="en-US" smtClean="0"/>
-              <a:t>9/12/17</a:t>
+              <a:t>9/13/17</a:t>
             </a:fld>
             <a:endParaRPr lang="en-US" dirty="0"/>
           </a:p>
@@ -3518,12 +3955,21 @@
             <p:ph type="title"/>
           </p:nvPr>
         </p:nvSpPr>
-        <p:spPr/>
-        <p:txBody>
-          <a:bodyPr/>
-          <a:lstStyle/>
-          <a:p>
-            <a:endParaRPr lang="en-US"/>
+        <p:spPr>
+          <a:xfrm>
+            <a:off x="457200" y="277006"/>
+            <a:ext cx="8229600" cy="815717"/>
+          </a:xfrm>
+        </p:spPr>
+        <p:txBody>
+          <a:bodyPr/>
+          <a:lstStyle/>
+          <a:p>
+            <a:r>
+              <a:rPr lang="en-US" sz="4000" dirty="0" smtClean="0"/>
+              <a:t>Study Goals</a:t>
+            </a:r>
+            <a:endParaRPr lang="en-US" sz="4000" dirty="0"/>
           </a:p>
         </p:txBody>
       </p:sp>
@@ -3537,12 +3983,66 @@
             <p:ph idx="1"/>
           </p:nvPr>
         </p:nvSpPr>
-        <p:spPr/>
-        <p:txBody>
-          <a:bodyPr/>
-          <a:lstStyle/>
-          <a:p>
-            <a:endParaRPr lang="en-US"/>
+        <p:spPr>
+          <a:xfrm>
+            <a:off x="457200" y="1276445"/>
+            <a:ext cx="8229600" cy="5257800"/>
+          </a:xfrm>
+        </p:spPr>
+        <p:txBody>
+          <a:bodyPr/>
+          <a:lstStyle/>
+          <a:p>
+            <a:r>
+              <a:rPr lang="en-US" dirty="0" smtClean="0"/>
+              <a:t>Scientific Hypothesis:</a:t>
+            </a:r>
+          </a:p>
+          <a:p>
+            <a:pPr marL="0" indent="0">
+              <a:buNone/>
+            </a:pPr>
+            <a:r>
+              <a:rPr lang="en-US" dirty="0" smtClean="0"/>
+              <a:t>Does gel gum treatment result in lower average pocket depth and attachment loss at one year?</a:t>
+            </a:r>
+          </a:p>
+          <a:p>
+            <a:pPr marL="0" indent="0">
+              <a:buNone/>
+            </a:pPr>
+            <a:endParaRPr lang="en-US" dirty="0" smtClean="0"/>
+          </a:p>
+          <a:p>
+            <a:r>
+              <a:rPr lang="en-US" dirty="0" smtClean="0"/>
+              <a:t>Statistical Hypotheses:</a:t>
+            </a:r>
+          </a:p>
+          <a:p>
+            <a:pPr marL="0" indent="0">
+              <a:buNone/>
+            </a:pPr>
+            <a:r>
+              <a:rPr lang="en-US" dirty="0" smtClean="0"/>
+              <a:t>Is there a significant difference in the average change in pocket depth over 1 year between any of the treatment groups and controls?</a:t>
+            </a:r>
+          </a:p>
+          <a:p>
+            <a:pPr marL="0" indent="0">
+              <a:buNone/>
+            </a:pPr>
+            <a:endParaRPr lang="en-US" dirty="0"/>
+          </a:p>
+          <a:p>
+            <a:pPr marL="0" indent="0">
+              <a:buNone/>
+            </a:pPr>
+            <a:r>
+              <a:rPr lang="en-US" dirty="0" smtClean="0"/>
+              <a:t>Is there a significant difference in the average attachment loss over 1 year between any of the treatment groups and controls?</a:t>
+            </a:r>
+            <a:endParaRPr lang="en-US" dirty="0"/>
           </a:p>
         </p:txBody>
       </p:sp>
@@ -3586,12 +4086,21 @@
             <p:ph type="title"/>
           </p:nvPr>
         </p:nvSpPr>
-        <p:spPr/>
-        <p:txBody>
-          <a:bodyPr/>
-          <a:lstStyle/>
-          <a:p>
-            <a:endParaRPr lang="en-US"/>
+        <p:spPr>
+          <a:xfrm>
+            <a:off x="457200" y="392137"/>
+            <a:ext cx="8229600" cy="604031"/>
+          </a:xfrm>
+        </p:spPr>
+        <p:txBody>
+          <a:bodyPr/>
+          <a:lstStyle/>
+          <a:p>
+            <a:r>
+              <a:rPr lang="en-US" sz="4000" dirty="0" smtClean="0"/>
+              <a:t>Summary of Data: Descriptive Stats</a:t>
+            </a:r>
+            <a:endParaRPr lang="en-US" sz="4000" dirty="0"/>
           </a:p>
         </p:txBody>
       </p:sp>
@@ -3605,15 +4114,91 @@
             <p:ph idx="1"/>
           </p:nvPr>
         </p:nvSpPr>
-        <p:spPr/>
-        <p:txBody>
-          <a:bodyPr/>
-          <a:lstStyle/>
-          <a:p>
-            <a:endParaRPr lang="en-US"/>
-          </a:p>
-        </p:txBody>
-      </p:sp>
+        <p:spPr>
+          <a:xfrm>
+            <a:off x="457201" y="1232759"/>
+            <a:ext cx="3714019" cy="5217433"/>
+          </a:xfrm>
+        </p:spPr>
+        <p:txBody>
+          <a:bodyPr/>
+          <a:lstStyle/>
+          <a:p>
+            <a:r>
+              <a:rPr lang="en-US" dirty="0" smtClean="0"/>
+              <a:t>27 participants lost to follow - up</a:t>
+            </a:r>
+          </a:p>
+          <a:p>
+            <a:pPr lvl="1"/>
+            <a:r>
+              <a:rPr lang="en-US" dirty="0" smtClean="0"/>
+              <a:t>Not included in the analysis</a:t>
+            </a:r>
+          </a:p>
+          <a:p>
+            <a:pPr lvl="1"/>
+            <a:r>
+              <a:rPr lang="en-US" dirty="0" smtClean="0"/>
+              <a:t>Increasing trend of dropout with treatmen</a:t>
+            </a:r>
+            <a:r>
+              <a:rPr lang="en-US" dirty="0" smtClean="0"/>
+              <a:t>t dose</a:t>
+            </a:r>
+          </a:p>
+          <a:p>
+            <a:r>
+              <a:rPr lang="en-US" dirty="0" smtClean="0"/>
+              <a:t>Fairly well-balanced demographics across groups</a:t>
+            </a:r>
+          </a:p>
+          <a:p>
+            <a:pPr lvl="1"/>
+            <a:r>
+              <a:rPr lang="en-US" dirty="0" smtClean="0"/>
+              <a:t>Higher percentage of females than males across all groups</a:t>
+            </a:r>
+          </a:p>
+          <a:p>
+            <a:pPr lvl="1"/>
+            <a:r>
+              <a:rPr lang="en-US" dirty="0" smtClean="0"/>
+              <a:t>White is highest percentage race across all groups</a:t>
+            </a:r>
+          </a:p>
+        </p:txBody>
+      </p:sp>
+      <p:pic>
+        <p:nvPicPr>
+          <p:cNvPr id="6" name="Picture 5" descr="Pros0dropoutcolor.png"/>
+          <p:cNvPicPr>
+            <a:picLocks noChangeAspect="1"/>
+          </p:cNvPicPr>
+          <p:nvPr/>
+        </p:nvPicPr>
+        <p:blipFill>
+          <a:blip r:embed="rId3">
+            <a:extLst>
+              <a:ext uri="{28A0092B-C50C-407E-A947-70E740481C1C}">
+                <a14:useLocalDpi xmlns:a14="http://schemas.microsoft.com/office/drawing/2010/main" val="0"/>
+              </a:ext>
+            </a:extLst>
+          </a:blip>
+          <a:stretch>
+            <a:fillRect/>
+          </a:stretch>
+        </p:blipFill>
+        <p:spPr>
+          <a:xfrm>
+            <a:off x="4398847" y="1519158"/>
+            <a:ext cx="4387564" cy="3799630"/>
+          </a:xfrm>
+          <a:prstGeom prst="rect">
+            <a:avLst/>
+          </a:prstGeom>
+        </p:spPr>
+      </p:pic>
     </p:spTree>
     <p:extLst>
       <p:ext uri="{BB962C8B-B14F-4D97-AF65-F5344CB8AC3E}">
@@ -3654,12 +4239,21 @@
             <p:ph type="title"/>
           </p:nvPr>
         </p:nvSpPr>
-        <p:spPr/>
-        <p:txBody>
-          <a:bodyPr/>
-          <a:lstStyle/>
-          <a:p>
-            <a:endParaRPr lang="en-US"/>
+        <p:spPr>
+          <a:xfrm>
+            <a:off x="457200" y="273946"/>
+            <a:ext cx="8229600" cy="728552"/>
+          </a:xfrm>
+        </p:spPr>
+        <p:txBody>
+          <a:bodyPr/>
+          <a:lstStyle/>
+          <a:p>
+            <a:r>
+              <a:rPr lang="en-US" sz="4000" dirty="0" smtClean="0"/>
+              <a:t>Analysis Technique Used</a:t>
+            </a:r>
+            <a:endParaRPr lang="en-US" sz="4000" dirty="0"/>
           </a:p>
         </p:txBody>
       </p:sp>
@@ -3673,12 +4267,87 @@
             <p:ph idx="1"/>
           </p:nvPr>
         </p:nvSpPr>
-        <p:spPr/>
-        <p:txBody>
-          <a:bodyPr/>
-          <a:lstStyle/>
-          <a:p>
-            <a:endParaRPr lang="en-US"/>
+        <p:spPr>
+          <a:xfrm>
+            <a:off x="457200" y="1425871"/>
+            <a:ext cx="8229600" cy="5036775"/>
+          </a:xfrm>
+        </p:spPr>
+        <p:txBody>
+          <a:bodyPr>
+            <a:normAutofit/>
+          </a:bodyPr>
+          <a:lstStyle/>
+          <a:p>
+            <a:r>
+              <a:rPr lang="en-US" dirty="0" smtClean="0"/>
+              <a:t>Used change in pocket depth or attachment loss as outcome (1 year measure – baseline measure) </a:t>
+            </a:r>
+          </a:p>
+          <a:p>
+            <a:r>
+              <a:rPr lang="en-US" dirty="0"/>
+              <a:t>Used controls as reference </a:t>
+            </a:r>
+            <a:r>
+              <a:rPr lang="en-US" dirty="0" smtClean="0"/>
+              <a:t>group</a:t>
+            </a:r>
+          </a:p>
+          <a:p>
+            <a:r>
+              <a:rPr lang="en-US" dirty="0" smtClean="0"/>
+              <a:t>Separate linear </a:t>
+            </a:r>
+            <a:r>
+              <a:rPr lang="en-US" dirty="0" err="1" smtClean="0"/>
+              <a:t>univariate</a:t>
+            </a:r>
+            <a:r>
+              <a:rPr lang="en-US" dirty="0" smtClean="0"/>
+              <a:t> models run for each outcome – pocket depth and attachment loss</a:t>
+            </a:r>
+          </a:p>
+          <a:p>
+            <a:r>
+              <a:rPr lang="en-US" dirty="0" smtClean="0"/>
+              <a:t>For each outcome ran:</a:t>
+            </a:r>
+          </a:p>
+          <a:p>
+            <a:pPr lvl="1"/>
+            <a:r>
+              <a:rPr lang="en-US" dirty="0" smtClean="0"/>
+              <a:t> simple model</a:t>
+            </a:r>
+          </a:p>
+          <a:p>
+            <a:pPr lvl="1"/>
+            <a:r>
+              <a:rPr lang="en-US" dirty="0" smtClean="0"/>
+              <a:t>crude models</a:t>
+            </a:r>
+          </a:p>
+          <a:p>
+            <a:pPr lvl="1"/>
+            <a:r>
+              <a:rPr lang="en-US" dirty="0" smtClean="0"/>
+              <a:t>full model</a:t>
+            </a:r>
+          </a:p>
+          <a:p>
+            <a:pPr lvl="1"/>
+            <a:r>
+              <a:rPr lang="en-US" dirty="0" smtClean="0"/>
+              <a:t>reduced models – single variable removed from full</a:t>
+            </a:r>
+          </a:p>
+          <a:p>
+            <a:r>
+              <a:rPr lang="en-US" dirty="0" smtClean="0"/>
+              <a:t>Using AIC and diagnostic plots chose model that included outcome, treatment group, and baseline as covariate</a:t>
+            </a:r>
+            <a:endParaRPr lang="en-US" dirty="0"/>
           </a:p>
         </p:txBody>
       </p:sp>
@@ -3722,12 +4391,21 @@
             <p:ph type="title"/>
           </p:nvPr>
         </p:nvSpPr>
-        <p:spPr/>
-        <p:txBody>
-          <a:bodyPr/>
-          <a:lstStyle/>
-          <a:p>
-            <a:endParaRPr lang="en-US"/>
+        <p:spPr>
+          <a:xfrm>
+            <a:off x="457200" y="280068"/>
+            <a:ext cx="8229600" cy="666292"/>
+          </a:xfrm>
+        </p:spPr>
+        <p:txBody>
+          <a:bodyPr/>
+          <a:lstStyle/>
+          <a:p>
+            <a:r>
+              <a:rPr lang="en-US" sz="4000" dirty="0" smtClean="0"/>
+              <a:t>Summary of Statistical Results</a:t>
+            </a:r>
+            <a:endParaRPr lang="en-US" sz="4000" dirty="0"/>
           </a:p>
         </p:txBody>
       </p:sp>
@@ -3741,12 +4419,61 @@
             <p:ph idx="1"/>
           </p:nvPr>
         </p:nvSpPr>
-        <p:spPr/>
-        <p:txBody>
-          <a:bodyPr/>
-          <a:lstStyle/>
-          <a:p>
-            <a:endParaRPr lang="en-US"/>
+        <p:spPr>
+          <a:xfrm>
+            <a:off x="457200" y="1251541"/>
+            <a:ext cx="8229600" cy="5211104"/>
+          </a:xfrm>
+        </p:spPr>
+        <p:txBody>
+          <a:bodyPr/>
+          <a:lstStyle/>
+          <a:p>
+            <a:r>
+              <a:rPr lang="en-US" dirty="0" smtClean="0"/>
+              <a:t>Change in pocket depth over 1 year</a:t>
+            </a:r>
+          </a:p>
+          <a:p>
+            <a:pPr lvl="1"/>
+            <a:r>
+              <a:rPr lang="en-US" dirty="0" smtClean="0"/>
+              <a:t>No statistically significant results</a:t>
+            </a:r>
+          </a:p>
+          <a:p>
+            <a:pPr lvl="1"/>
+            <a:endParaRPr lang="en-US" dirty="0"/>
+          </a:p>
+          <a:p>
+            <a:r>
+              <a:rPr lang="en-US" dirty="0" smtClean="0"/>
+              <a:t>Change in attachment loss over 1 year</a:t>
+            </a:r>
+          </a:p>
+          <a:p>
+            <a:pPr lvl="1"/>
+            <a:r>
+              <a:rPr lang="en-US" sz="2000" dirty="0"/>
+              <a:t>There was a significant difference (p = 0.0232) in average change in attachment loss between the medium dose treatment group and the control group. </a:t>
+            </a:r>
+            <a:endParaRPr lang="en-US" sz="2000" dirty="0" smtClean="0"/>
+          </a:p>
+          <a:p>
+            <a:pPr lvl="1"/>
+            <a:r>
+              <a:rPr lang="en-US" sz="2000" dirty="0" smtClean="0"/>
+              <a:t>The </a:t>
+            </a:r>
+            <a:r>
+              <a:rPr lang="en-US" sz="2000" dirty="0"/>
+              <a:t>average change in attachment loss over 1 year was 0.176 units (95% CI: 0.025 to 0.327 units) higher for subjects in the medium dose treatment group compared to subjects in the control group.</a:t>
+            </a:r>
+            <a:endParaRPr lang="en-US" sz="2000" dirty="0" smtClean="0"/>
+          </a:p>
+          <a:p>
+            <a:pPr lvl="1"/>
+            <a:endParaRPr lang="en-US" dirty="0"/>
           </a:p>
         </p:txBody>
       </p:sp>
@@ -3790,12 +4517,21 @@
             <p:ph type="title"/>
           </p:nvPr>
         </p:nvSpPr>
-        <p:spPr/>
-        <p:txBody>
-          <a:bodyPr/>
-          <a:lstStyle/>
-          <a:p>
-            <a:endParaRPr lang="en-US"/>
+        <p:spPr>
+          <a:xfrm>
+            <a:off x="457200" y="298849"/>
+            <a:ext cx="8229600" cy="990047"/>
+          </a:xfrm>
+        </p:spPr>
+        <p:txBody>
+          <a:bodyPr/>
+          <a:lstStyle/>
+          <a:p>
+            <a:r>
+              <a:rPr lang="en-US" sz="4000" dirty="0" smtClean="0"/>
+              <a:t>Scientific Implications of Results</a:t>
+            </a:r>
+            <a:endParaRPr lang="en-US" sz="4000" dirty="0"/>
           </a:p>
         </p:txBody>
       </p:sp>
@@ -3809,12 +4545,82 @@
             <p:ph idx="1"/>
           </p:nvPr>
         </p:nvSpPr>
-        <p:spPr/>
-        <p:txBody>
-          <a:bodyPr/>
-          <a:lstStyle/>
-          <a:p>
-            <a:endParaRPr lang="en-US"/>
+        <p:spPr>
+          <a:xfrm>
+            <a:off x="457200" y="1600200"/>
+            <a:ext cx="8229600" cy="5061679"/>
+          </a:xfrm>
+        </p:spPr>
+        <p:txBody>
+          <a:bodyPr>
+            <a:normAutofit lnSpcReduction="10000"/>
+          </a:bodyPr>
+          <a:lstStyle/>
+          <a:p>
+            <a:r>
+              <a:rPr lang="en-US" dirty="0" smtClean="0"/>
+              <a:t>Gel gum treatment does not significantly effect changes in pocket depth over 1 year</a:t>
+            </a:r>
+          </a:p>
+          <a:p>
+            <a:pPr marL="0" indent="0">
+              <a:buNone/>
+            </a:pPr>
+            <a:endParaRPr lang="en-US" dirty="0" smtClean="0"/>
+          </a:p>
+          <a:p>
+            <a:r>
+              <a:rPr lang="en-US" dirty="0" smtClean="0"/>
+              <a:t>Medium dose level treatment had significantly different change in attachment loss over 1 year compared to controls</a:t>
+            </a:r>
+          </a:p>
+          <a:p>
+            <a:pPr lvl="1"/>
+            <a:r>
+              <a:rPr lang="en-US" sz="2000" dirty="0" smtClean="0"/>
+              <a:t>This </a:t>
+            </a:r>
+            <a:r>
+              <a:rPr lang="en-US" sz="2000" dirty="0" smtClean="0"/>
+              <a:t>result indicates that the medium dose level treatment had a harmful/negative effect on attachment loss</a:t>
+            </a:r>
+          </a:p>
+          <a:p>
+            <a:pPr lvl="2"/>
+            <a:r>
+              <a:rPr lang="en-US" sz="2000" dirty="0" smtClean="0"/>
+              <a:t>People in this group on average had greater changes in attachment loss over 1 year</a:t>
+            </a:r>
+          </a:p>
+          <a:p>
+            <a:pPr lvl="2"/>
+            <a:endParaRPr lang="en-US" dirty="0"/>
+          </a:p>
+          <a:p>
+            <a:r>
+              <a:rPr lang="en-US" dirty="0" smtClean="0"/>
+              <a:t>Limitations:</a:t>
+            </a:r>
+          </a:p>
+          <a:p>
+            <a:pPr lvl="1"/>
+            <a:r>
+              <a:rPr lang="en-US" sz="1800" dirty="0" smtClean="0"/>
+              <a:t>How to </a:t>
+            </a:r>
+            <a:r>
+              <a:rPr lang="en-US" sz="1800" smtClean="0"/>
+              <a:t>measure adherence?</a:t>
+            </a:r>
+            <a:endParaRPr lang="en-US" sz="1800" dirty="0" smtClean="0"/>
+          </a:p>
+          <a:p>
+            <a:pPr lvl="1"/>
+            <a:r>
+              <a:rPr lang="en-US" sz="1800" dirty="0" smtClean="0"/>
+              <a:t>Pattern of dropout</a:t>
+            </a:r>
+            <a:endParaRPr lang="en-US" sz="1800" dirty="0"/>
           </a:p>
         </p:txBody>
       </p:sp>
@@ -4109,4 +4915,324 @@
   <a:objectDefaults/>
   <a:extraClrSchemeLst/>
 </a:theme>
+</file>
+
+<file path=ppt/theme/theme2.xml><?xml version="1.0" encoding="utf-8"?>
+<a:theme xmlns:a="http://schemas.openxmlformats.org/drawingml/2006/main" name="Office Theme">
+  <a:themeElements>
+    <a:clrScheme name="Office">
+      <a:dk1>
+        <a:sysClr val="windowText" lastClr="000000"/>
+      </a:dk1>
+      <a:lt1>
+        <a:sysClr val="window" lastClr="FFFFFF"/>
+      </a:lt1>
+      <a:dk2>
+        <a:srgbClr val="1F497D"/>
+      </a:dk2>
+      <a:lt2>
+        <a:srgbClr val="EEECE1"/>
+      </a:lt2>
+      <a:accent1>
+        <a:srgbClr val="4F81BD"/>
+      </a:accent1>
+      <a:accent2>
+        <a:srgbClr val="C0504D"/>
+      </a:accent2>
+      <a:accent3>
+        <a:srgbClr val="9BBB59"/>
+      </a:accent3>
+      <a:accent4>
+        <a:srgbClr val="8064A2"/>
+      </a:accent4>
+      <a:accent5>
+        <a:srgbClr val="4BACC6"/>
+      </a:accent5>
+      <a:accent6>
+        <a:srgbClr val="F79646"/>
+      </a:accent6>
+      <a:hlink>
+        <a:srgbClr val="0000FF"/>
+      </a:hlink>
+      <a:folHlink>
+        <a:srgbClr val="800080"/>
+      </a:folHlink>
+    </a:clrScheme>
+    <a:fontScheme name="Office">
+      <a:majorFont>
+        <a:latin typeface="Calibri"/>
+        <a:ea typeface=""/>
+        <a:cs typeface=""/>
+        <a:font script="Jpan" typeface="ＭＳ Ｐゴシック"/>
+        <a:font script="Hang" typeface="맑은 고딕"/>
+        <a:font script="Hans" typeface="宋体"/>
+        <a:font script="Hant" typeface="新細明體"/>
+        <a:font script="Arab" typeface="Times New Roman"/>
+        <a:font script="Hebr" typeface="Times New Roman"/>
+        <a:font script="Thai" typeface="Angsana New"/>
+        <a:font script="Ethi" typeface="Nyala"/>
+        <a:font script="Beng" typeface="Vrinda"/>
+        <a:font script="Gujr" typeface="Shruti"/>
+        <a:font script="Khmr" typeface="MoolBoran"/>
+        <a:font script="Knda" typeface="Tunga"/>
+        <a:font script="Guru" typeface="Raavi"/>
+        <a:font script="Cans" typeface="Euphemia"/>
+        <a:font script="Cher" typeface="Plantagenet Cherokee"/>
+        <a:font script="Yiii" typeface="Microsoft Yi Baiti"/>
+        <a:font script="Tibt" typeface="Microsoft Himalaya"/>
+        <a:font script="Thaa" typeface="MV Boli"/>
+        <a:font script="Deva" typeface="Mangal"/>
+        <a:font script="Telu" typeface="Gautami"/>
+        <a:font script="Taml" typeface="Latha"/>
+        <a:font script="Syrc" typeface="Estrangelo Edessa"/>
+        <a:font script="Orya" typeface="Kalinga"/>
+        <a:font script="Mlym" typeface="Kartika"/>
+        <a:font script="Laoo" typeface="DokChampa"/>
+        <a:font script="Sinh" typeface="Iskoola Pota"/>
+        <a:font script="Mong" typeface="Mongolian Baiti"/>
+        <a:font script="Viet" typeface="Times New Roman"/>
+        <a:font script="Uigh" typeface="Microsoft Uighur"/>
+        <a:font script="Geor" typeface="Sylfaen"/>
+      </a:majorFont>
+      <a:minorFont>
+        <a:latin typeface="Calibri"/>
+        <a:ea typeface=""/>
+        <a:cs typeface=""/>
+        <a:font script="Jpan" typeface="ＭＳ Ｐゴシック"/>
+        <a:font script="Hang" typeface="맑은 고딕"/>
+        <a:font script="Hans" typeface="宋体"/>
+        <a:font script="Hant" typeface="新細明體"/>
+        <a:font script="Arab" typeface="Arial"/>
+        <a:font script="Hebr" typeface="Arial"/>
+        <a:font script="Thai" typeface="Cordia New"/>
+        <a:font script="Ethi" typeface="Nyala"/>
+        <a:font script="Beng" typeface="Vrinda"/>
+        <a:font script="Gujr" typeface="Shruti"/>
+        <a:font script="Khmr" typeface="DaunPenh"/>
+        <a:font script="Knda" typeface="Tunga"/>
+        <a:font script="Guru" typeface="Raavi"/>
+        <a:font script="Cans" typeface="Euphemia"/>
+        <a:font script="Cher" typeface="Plantagenet Cherokee"/>
+        <a:font script="Yiii" typeface="Microsoft Yi Baiti"/>
+        <a:font script="Tibt" typeface="Microsoft Himalaya"/>
+        <a:font script="Thaa" typeface="MV Boli"/>
+        <a:font script="Deva" typeface="Mangal"/>
+        <a:font script="Telu" typeface="Gautami"/>
+        <a:font script="Taml" typeface="Latha"/>
+        <a:font script="Syrc" typeface="Estrangelo Edessa"/>
+        <a:font script="Orya" typeface="Kalinga"/>
+        <a:font script="Mlym" typeface="Kartika"/>
+        <a:font script="Laoo" typeface="DokChampa"/>
+        <a:font script="Sinh" typeface="Iskoola Pota"/>
+        <a:font script="Mong" typeface="Mongolian Baiti"/>
+        <a:font script="Viet" typeface="Arial"/>
+        <a:font script="Uigh" typeface="Microsoft Uighur"/>
+        <a:font script="Geor" typeface="Sylfaen"/>
+      </a:minorFont>
+    </a:fontScheme>
+    <a:fmtScheme name="Office">
+      <a:fillStyleLst>
+        <a:solidFill>
+          <a:schemeClr val="phClr"/>
+        </a:solidFill>
+        <a:gradFill rotWithShape="1">
+          <a:gsLst>
+            <a:gs pos="0">
+              <a:schemeClr val="phClr">
+                <a:tint val="50000"/>
+                <a:satMod val="300000"/>
+              </a:schemeClr>
+            </a:gs>
+            <a:gs pos="35000">
+              <a:schemeClr val="phClr">
+                <a:tint val="37000"/>
+                <a:satMod val="300000"/>
+              </a:schemeClr>
+            </a:gs>
+            <a:gs pos="100000">
+              <a:schemeClr val="phClr">
+                <a:tint val="15000"/>
+                <a:satMod val="350000"/>
+              </a:schemeClr>
+            </a:gs>
+          </a:gsLst>
+          <a:lin ang="16200000" scaled="1"/>
+        </a:gradFill>
+        <a:gradFill rotWithShape="1">
+          <a:gsLst>
+            <a:gs pos="0">
+              <a:schemeClr val="phClr">
+                <a:tint val="100000"/>
+                <a:shade val="100000"/>
+                <a:satMod val="130000"/>
+              </a:schemeClr>
+            </a:gs>
+            <a:gs pos="100000">
+              <a:schemeClr val="phClr">
+                <a:tint val="50000"/>
+                <a:shade val="100000"/>
+                <a:satMod val="350000"/>
+              </a:schemeClr>
+            </a:gs>
+          </a:gsLst>
+          <a:lin ang="16200000" scaled="0"/>
+        </a:gradFill>
+      </a:fillStyleLst>
+      <a:lnStyleLst>
+        <a:ln w="9525" cap="flat" cmpd="sng" algn="ctr">
+          <a:solidFill>
+            <a:schemeClr val="phClr">
+              <a:shade val="95000"/>
+              <a:satMod val="105000"/>
+            </a:schemeClr>
+          </a:solidFill>
+          <a:prstDash val="solid"/>
+        </a:ln>
+        <a:ln w="25400" cap="flat" cmpd="sng" algn="ctr">
+          <a:solidFill>
+            <a:schemeClr val="phClr"/>
+          </a:solidFill>
+          <a:prstDash val="solid"/>
+        </a:ln>
+        <a:ln w="38100" cap="flat" cmpd="sng" algn="ctr">
+          <a:solidFill>
+            <a:schemeClr val="phClr"/>
+          </a:solidFill>
+          <a:prstDash val="solid"/>
+        </a:ln>
+      </a:lnStyleLst>
+      <a:effectStyleLst>
+        <a:effectStyle>
+          <a:effectLst>
+            <a:outerShdw blurRad="40000" dist="20000" dir="5400000" rotWithShape="0">
+              <a:srgbClr val="000000">
+                <a:alpha val="38000"/>
+              </a:srgbClr>
+            </a:outerShdw>
+          </a:effectLst>
+        </a:effectStyle>
+        <a:effectStyle>
+          <a:effectLst>
+            <a:outerShdw blurRad="40000" dist="23000" dir="5400000" rotWithShape="0">
+              <a:srgbClr val="000000">
+                <a:alpha val="35000"/>
+              </a:srgbClr>
+            </a:outerShdw>
+          </a:effectLst>
+        </a:effectStyle>
+        <a:effectStyle>
+          <a:effectLst>
+            <a:outerShdw blurRad="40000" dist="23000" dir="5400000" rotWithShape="0">
+              <a:srgbClr val="000000">
+                <a:alpha val="35000"/>
+              </a:srgbClr>
+            </a:outerShdw>
+          </a:effectLst>
+          <a:scene3d>
+            <a:camera prst="orthographicFront">
+              <a:rot lat="0" lon="0" rev="0"/>
+            </a:camera>
+            <a:lightRig rig="threePt" dir="t">
+              <a:rot lat="0" lon="0" rev="1200000"/>
+            </a:lightRig>
+          </a:scene3d>
+          <a:sp3d>
+            <a:bevelT w="63500" h="25400"/>
+          </a:sp3d>
+        </a:effectStyle>
+      </a:effectStyleLst>
+      <a:bgFillStyleLst>
+        <a:solidFill>
+          <a:schemeClr val="phClr"/>
+        </a:solidFill>
+        <a:gradFill rotWithShape="1">
+          <a:gsLst>
+            <a:gs pos="0">
+              <a:schemeClr val="phClr">
+                <a:tint val="40000"/>
+                <a:satMod val="350000"/>
+              </a:schemeClr>
+            </a:gs>
+            <a:gs pos="40000">
+              <a:schemeClr val="phClr">
+                <a:tint val="45000"/>
+                <a:shade val="99000"/>
+                <a:satMod val="350000"/>
+              </a:schemeClr>
+            </a:gs>
+            <a:gs pos="100000">
+              <a:schemeClr val="phClr">
+                <a:shade val="20000"/>
+                <a:satMod val="255000"/>
+              </a:schemeClr>
+            </a:gs>
+          </a:gsLst>
+          <a:path path="circle">
+            <a:fillToRect l="50000" t="-80000" r="50000" b="180000"/>
+          </a:path>
+        </a:gradFill>
+        <a:gradFill rotWithShape="1">
+          <a:gsLst>
+            <a:gs pos="0">
+              <a:schemeClr val="phClr">
+                <a:tint val="80000"/>
+                <a:satMod val="300000"/>
+              </a:schemeClr>
+            </a:gs>
+            <a:gs pos="100000">
+              <a:schemeClr val="phClr">
+                <a:shade val="30000"/>
+                <a:satMod val="200000"/>
+              </a:schemeClr>
+            </a:gs>
+          </a:gsLst>
+          <a:path path="circle">
+            <a:fillToRect l="50000" t="50000" r="50000" b="50000"/>
+          </a:path>
+        </a:gradFill>
+      </a:bgFillStyleLst>
+    </a:fmtScheme>
+  </a:themeElements>
+  <a:objectDefaults>
+    <a:spDef>
+      <a:spPr/>
+      <a:bodyPr/>
+      <a:lstStyle/>
+      <a:style>
+        <a:lnRef idx="1">
+          <a:schemeClr val="accent1"/>
+        </a:lnRef>
+        <a:fillRef idx="3">
+          <a:schemeClr val="accent1"/>
+        </a:fillRef>
+        <a:effectRef idx="2">
+          <a:schemeClr val="accent1"/>
+        </a:effectRef>
+        <a:fontRef idx="minor">
+          <a:schemeClr val="lt1"/>
+        </a:fontRef>
+      </a:style>
+    </a:spDef>
+    <a:lnDef>
+      <a:spPr/>
+      <a:bodyPr/>
+      <a:lstStyle/>
+      <a:style>
+        <a:lnRef idx="2">
+          <a:schemeClr val="accent1"/>
+        </a:lnRef>
+        <a:fillRef idx="0">
+          <a:schemeClr val="accent1"/>
+        </a:fillRef>
+        <a:effectRef idx="1">
+          <a:schemeClr val="accent1"/>
+        </a:effectRef>
+        <a:fontRef idx="minor">
+          <a:schemeClr val="tx1"/>
+        </a:fontRef>
+      </a:style>
+    </a:lnDef>
+  </a:objectDefaults>
+  <a:extraClrSchemeLst/>
+</a:theme>
 </file>
--- a/Project0/Reports/Proj0Slides.pptx
+++ b/Project0/Reports/Proj0Slides.pptx
@@ -4606,13 +4606,8 @@
             <a:pPr lvl="1"/>
             <a:r>
               <a:rPr lang="en-US" sz="1800" dirty="0" smtClean="0"/>
-              <a:t>How to </a:t>
-            </a:r>
-            <a:r>
-              <a:rPr lang="en-US" sz="1800" smtClean="0"/>
-              <a:t>measure adherence?</a:t>
-            </a:r>
-            <a:endParaRPr lang="en-US" sz="1800" dirty="0" smtClean="0"/>
+              <a:t>How to measure adherence?</a:t>
+            </a:r>
           </a:p>
           <a:p>
             <a:pPr lvl="1"/>
